--- a/LaTeX/images.pptx
+++ b/LaTeX/images.pptx
@@ -6,6 +6,7 @@
   </p:sldMasterIdLst>
   <p:sldIdLst>
     <p:sldId id="256" r:id="rId2"/>
+    <p:sldId id="258" r:id="rId3"/>
   </p:sldIdLst>
   <p:sldSz cx="12192000" cy="6858000"/>
   <p:notesSz cx="7315200" cy="9601200"/>
@@ -104,6 +105,11 @@
       </a:defRPr>
     </a:lvl9pPr>
   </p:defaultTextStyle>
+  <p:extLst>
+    <p:ext uri="{EFAFB233-063F-42B5-8137-9DF3F51BA10A}">
+      <p15:sldGuideLst xmlns:p15="http://schemas.microsoft.com/office/powerpoint/2012/main"/>
+    </p:ext>
+  </p:extLst>
 </p:presentation>
 </file>
 
@@ -5252,6 +5258,2261 @@
 </p:sld>
 </file>
 
+<file path=ppt/slides/slide2.xml><?xml version="1.0" encoding="utf-8"?>
+<p:sld xmlns:a="http://schemas.openxmlformats.org/drawingml/2006/main" xmlns:r="http://schemas.openxmlformats.org/officeDocument/2006/relationships" xmlns:p="http://schemas.openxmlformats.org/presentationml/2006/main">
+  <p:cSld>
+    <p:spTree>
+      <p:nvGrpSpPr>
+        <p:cNvPr id="1" name=""/>
+        <p:cNvGrpSpPr/>
+        <p:nvPr/>
+      </p:nvGrpSpPr>
+      <p:grpSpPr>
+        <a:xfrm>
+          <a:off x="0" y="0"/>
+          <a:ext cx="0" cy="0"/>
+          <a:chOff x="0" y="0"/>
+          <a:chExt cx="0" cy="0"/>
+        </a:xfrm>
+      </p:grpSpPr>
+      <p:sp>
+        <p:nvSpPr>
+          <p:cNvPr id="19" name="Rectángulo 18"/>
+          <p:cNvSpPr/>
+          <p:nvPr/>
+        </p:nvSpPr>
+        <p:spPr>
+          <a:xfrm>
+            <a:off x="7459455" y="1037802"/>
+            <a:ext cx="1268435" cy="1511139"/>
+          </a:xfrm>
+          <a:prstGeom prst="rect">
+            <a:avLst/>
+          </a:prstGeom>
+        </p:spPr>
+        <p:style>
+          <a:lnRef idx="2">
+            <a:schemeClr val="dk1"/>
+          </a:lnRef>
+          <a:fillRef idx="1">
+            <a:schemeClr val="lt1"/>
+          </a:fillRef>
+          <a:effectRef idx="0">
+            <a:schemeClr val="dk1"/>
+          </a:effectRef>
+          <a:fontRef idx="minor">
+            <a:schemeClr val="dk1"/>
+          </a:fontRef>
+        </p:style>
+        <p:txBody>
+          <a:bodyPr rtlCol="0" anchor="ctr"/>
+          <a:lstStyle/>
+          <a:p>
+            <a:pPr algn="ctr"/>
+            <a:endParaRPr lang="es-VE"/>
+          </a:p>
+        </p:txBody>
+      </p:sp>
+      <p:sp>
+        <p:nvSpPr>
+          <p:cNvPr id="17" name="Rectángulo 16"/>
+          <p:cNvSpPr/>
+          <p:nvPr/>
+        </p:nvSpPr>
+        <p:spPr>
+          <a:xfrm>
+            <a:off x="5854353" y="1037804"/>
+            <a:ext cx="1615035" cy="1511138"/>
+          </a:xfrm>
+          <a:prstGeom prst="rect">
+            <a:avLst/>
+          </a:prstGeom>
+        </p:spPr>
+        <p:style>
+          <a:lnRef idx="2">
+            <a:schemeClr val="dk1"/>
+          </a:lnRef>
+          <a:fillRef idx="1">
+            <a:schemeClr val="lt1"/>
+          </a:fillRef>
+          <a:effectRef idx="0">
+            <a:schemeClr val="dk1"/>
+          </a:effectRef>
+          <a:fontRef idx="minor">
+            <a:schemeClr val="dk1"/>
+          </a:fontRef>
+        </p:style>
+        <p:txBody>
+          <a:bodyPr rtlCol="0" anchor="ctr"/>
+          <a:lstStyle/>
+          <a:p>
+            <a:pPr algn="ctr"/>
+            <a:endParaRPr lang="es-VE"/>
+          </a:p>
+        </p:txBody>
+      </p:sp>
+      <p:sp>
+        <p:nvSpPr>
+          <p:cNvPr id="7" name="Rectángulo 6"/>
+          <p:cNvSpPr/>
+          <p:nvPr/>
+        </p:nvSpPr>
+        <p:spPr>
+          <a:xfrm>
+            <a:off x="1443711" y="2314452"/>
+            <a:ext cx="2924269" cy="1536344"/>
+          </a:xfrm>
+          <a:prstGeom prst="rect">
+            <a:avLst/>
+          </a:prstGeom>
+        </p:spPr>
+        <p:style>
+          <a:lnRef idx="2">
+            <a:schemeClr val="dk1"/>
+          </a:lnRef>
+          <a:fillRef idx="1">
+            <a:schemeClr val="lt1"/>
+          </a:fillRef>
+          <a:effectRef idx="0">
+            <a:schemeClr val="dk1"/>
+          </a:effectRef>
+          <a:fontRef idx="minor">
+            <a:schemeClr val="dk1"/>
+          </a:fontRef>
+        </p:style>
+        <p:txBody>
+          <a:bodyPr rtlCol="0" anchor="ctr"/>
+          <a:lstStyle/>
+          <a:p>
+            <a:pPr algn="ctr"/>
+            <a:endParaRPr lang="es-VE"/>
+          </a:p>
+        </p:txBody>
+      </p:sp>
+      <p:sp>
+        <p:nvSpPr>
+          <p:cNvPr id="5" name="Cilindro 4"/>
+          <p:cNvSpPr/>
+          <p:nvPr/>
+        </p:nvSpPr>
+        <p:spPr>
+          <a:xfrm>
+            <a:off x="9400428" y="1150372"/>
+            <a:ext cx="1374594" cy="1289927"/>
+          </a:xfrm>
+          <a:prstGeom prst="can">
+            <a:avLst/>
+          </a:prstGeom>
+        </p:spPr>
+        <p:style>
+          <a:lnRef idx="2">
+            <a:schemeClr val="accent1">
+              <a:shade val="50000"/>
+            </a:schemeClr>
+          </a:lnRef>
+          <a:fillRef idx="1">
+            <a:schemeClr val="accent1"/>
+          </a:fillRef>
+          <a:effectRef idx="0">
+            <a:schemeClr val="accent1"/>
+          </a:effectRef>
+          <a:fontRef idx="minor">
+            <a:schemeClr val="lt1"/>
+          </a:fontRef>
+        </p:style>
+        <p:txBody>
+          <a:bodyPr rtlCol="0" anchor="ctr"/>
+          <a:lstStyle/>
+          <a:p>
+            <a:pPr algn="ctr"/>
+            <a:endParaRPr lang="es-VE"/>
+          </a:p>
+        </p:txBody>
+      </p:sp>
+      <p:pic>
+        <p:nvPicPr>
+          <p:cNvPr id="1026" name="Picture 2" descr="Resultado de imagen para ruby"/>
+          <p:cNvPicPr>
+            <a:picLocks noChangeAspect="1" noChangeArrowheads="1"/>
+          </p:cNvPicPr>
+          <p:nvPr/>
+        </p:nvPicPr>
+        <p:blipFill>
+          <a:blip r:embed="rId2" cstate="print">
+            <a:extLst>
+              <a:ext uri="{28A0092B-C50C-407E-A947-70E740481C1C}">
+                <a14:useLocalDpi xmlns:a14="http://schemas.microsoft.com/office/drawing/2010/main" val="0"/>
+              </a:ext>
+            </a:extLst>
+          </a:blip>
+          <a:srcRect/>
+          <a:stretch>
+            <a:fillRect/>
+          </a:stretch>
+        </p:blipFill>
+        <p:spPr bwMode="auto">
+          <a:xfrm>
+            <a:off x="6571578" y="1169246"/>
+            <a:ext cx="533785" cy="612776"/>
+          </a:xfrm>
+          <a:prstGeom prst="rect">
+            <a:avLst/>
+          </a:prstGeom>
+          <a:noFill/>
+          <a:extLst>
+            <a:ext uri="{909E8E84-426E-40DD-AFC4-6F175D3DCCD1}">
+              <a14:hiddenFill xmlns:a14="http://schemas.microsoft.com/office/drawing/2010/main">
+                <a:solidFill>
+                  <a:srgbClr val="FFFFFF"/>
+                </a:solidFill>
+              </a14:hiddenFill>
+            </a:ext>
+          </a:extLst>
+        </p:spPr>
+      </p:pic>
+      <p:pic>
+        <p:nvPicPr>
+          <p:cNvPr id="1028" name="Picture 4" descr="Resultado de imagen para selenium"/>
+          <p:cNvPicPr>
+            <a:picLocks noChangeAspect="1" noChangeArrowheads="1"/>
+          </p:cNvPicPr>
+          <p:nvPr/>
+        </p:nvPicPr>
+        <p:blipFill>
+          <a:blip r:embed="rId3" cstate="print">
+            <a:extLst>
+              <a:ext uri="{28A0092B-C50C-407E-A947-70E740481C1C}">
+                <a14:useLocalDpi xmlns:a14="http://schemas.microsoft.com/office/drawing/2010/main" val="0"/>
+              </a:ext>
+            </a:extLst>
+          </a:blip>
+          <a:srcRect/>
+          <a:stretch>
+            <a:fillRect/>
+          </a:stretch>
+        </p:blipFill>
+        <p:spPr bwMode="auto">
+          <a:xfrm>
+            <a:off x="7725247" y="1524200"/>
+            <a:ext cx="748671" cy="693469"/>
+          </a:xfrm>
+          <a:prstGeom prst="rect">
+            <a:avLst/>
+          </a:prstGeom>
+          <a:noFill/>
+          <a:extLst>
+            <a:ext uri="{909E8E84-426E-40DD-AFC4-6F175D3DCCD1}">
+              <a14:hiddenFill xmlns:a14="http://schemas.microsoft.com/office/drawing/2010/main">
+                <a:solidFill>
+                  <a:srgbClr val="FFFFFF"/>
+                </a:solidFill>
+              </a14:hiddenFill>
+            </a:ext>
+          </a:extLst>
+        </p:spPr>
+      </p:pic>
+      <p:pic>
+        <p:nvPicPr>
+          <p:cNvPr id="1030" name="Picture 6" descr="Resultado de imagen para sinatra ruby"/>
+          <p:cNvPicPr>
+            <a:picLocks noChangeAspect="1" noChangeArrowheads="1"/>
+          </p:cNvPicPr>
+          <p:nvPr/>
+        </p:nvPicPr>
+        <p:blipFill>
+          <a:blip r:embed="rId4" cstate="print">
+            <a:extLst>
+              <a:ext uri="{28A0092B-C50C-407E-A947-70E740481C1C}">
+                <a14:useLocalDpi xmlns:a14="http://schemas.microsoft.com/office/drawing/2010/main" val="0"/>
+              </a:ext>
+            </a:extLst>
+          </a:blip>
+          <a:srcRect/>
+          <a:stretch>
+            <a:fillRect/>
+          </a:stretch>
+        </p:blipFill>
+        <p:spPr bwMode="auto">
+          <a:xfrm>
+            <a:off x="6502444" y="1863592"/>
+            <a:ext cx="685887" cy="685887"/>
+          </a:xfrm>
+          <a:prstGeom prst="rect">
+            <a:avLst/>
+          </a:prstGeom>
+          <a:noFill/>
+          <a:extLst>
+            <a:ext uri="{909E8E84-426E-40DD-AFC4-6F175D3DCCD1}">
+              <a14:hiddenFill xmlns:a14="http://schemas.microsoft.com/office/drawing/2010/main">
+                <a:solidFill>
+                  <a:srgbClr val="FFFFFF"/>
+                </a:solidFill>
+              </a14:hiddenFill>
+            </a:ext>
+          </a:extLst>
+        </p:spPr>
+      </p:pic>
+      <p:pic>
+        <p:nvPicPr>
+          <p:cNvPr id="1032" name="Picture 8" descr="Resultado de imagen para python"/>
+          <p:cNvPicPr>
+            <a:picLocks noChangeAspect="1" noChangeArrowheads="1"/>
+          </p:cNvPicPr>
+          <p:nvPr/>
+        </p:nvPicPr>
+        <p:blipFill>
+          <a:blip r:embed="rId5" cstate="print">
+            <a:extLst>
+              <a:ext uri="{28A0092B-C50C-407E-A947-70E740481C1C}">
+                <a14:useLocalDpi xmlns:a14="http://schemas.microsoft.com/office/drawing/2010/main" val="0"/>
+              </a:ext>
+            </a:extLst>
+          </a:blip>
+          <a:srcRect/>
+          <a:stretch>
+            <a:fillRect/>
+          </a:stretch>
+        </p:blipFill>
+        <p:spPr bwMode="auto">
+          <a:xfrm>
+            <a:off x="1529915" y="2612946"/>
+            <a:ext cx="1135945" cy="766763"/>
+          </a:xfrm>
+          <a:prstGeom prst="rect">
+            <a:avLst/>
+          </a:prstGeom>
+          <a:noFill/>
+          <a:extLst>
+            <a:ext uri="{909E8E84-426E-40DD-AFC4-6F175D3DCCD1}">
+              <a14:hiddenFill xmlns:a14="http://schemas.microsoft.com/office/drawing/2010/main">
+                <a:solidFill>
+                  <a:srgbClr val="FFFFFF"/>
+                </a:solidFill>
+              </a14:hiddenFill>
+            </a:ext>
+          </a:extLst>
+        </p:spPr>
+      </p:pic>
+      <p:pic>
+        <p:nvPicPr>
+          <p:cNvPr id="1034" name="Picture 10" descr="Resultado de imagen para request python"/>
+          <p:cNvPicPr>
+            <a:picLocks noChangeAspect="1" noChangeArrowheads="1"/>
+          </p:cNvPicPr>
+          <p:nvPr/>
+        </p:nvPicPr>
+        <p:blipFill>
+          <a:blip r:embed="rId6" cstate="print">
+            <a:extLst>
+              <a:ext uri="{28A0092B-C50C-407E-A947-70E740481C1C}">
+                <a14:useLocalDpi xmlns:a14="http://schemas.microsoft.com/office/drawing/2010/main" val="0"/>
+              </a:ext>
+            </a:extLst>
+          </a:blip>
+          <a:srcRect/>
+          <a:stretch>
+            <a:fillRect/>
+          </a:stretch>
+        </p:blipFill>
+        <p:spPr bwMode="auto">
+          <a:xfrm>
+            <a:off x="2752064" y="2543051"/>
+            <a:ext cx="788958" cy="1011723"/>
+          </a:xfrm>
+          <a:prstGeom prst="rect">
+            <a:avLst/>
+          </a:prstGeom>
+          <a:noFill/>
+          <a:extLst>
+            <a:ext uri="{909E8E84-426E-40DD-AFC4-6F175D3DCCD1}">
+              <a14:hiddenFill xmlns:a14="http://schemas.microsoft.com/office/drawing/2010/main">
+                <a:solidFill>
+                  <a:srgbClr val="FFFFFF"/>
+                </a:solidFill>
+              </a14:hiddenFill>
+            </a:ext>
+          </a:extLst>
+        </p:spPr>
+      </p:pic>
+      <p:pic>
+        <p:nvPicPr>
+          <p:cNvPr id="1036" name="Picture 12" descr="Resultado de imagen para mongodb"/>
+          <p:cNvPicPr>
+            <a:picLocks noChangeAspect="1" noChangeArrowheads="1"/>
+          </p:cNvPicPr>
+          <p:nvPr/>
+        </p:nvPicPr>
+        <p:blipFill>
+          <a:blip r:embed="rId7" cstate="print">
+            <a:extLst>
+              <a:ext uri="{28A0092B-C50C-407E-A947-70E740481C1C}">
+                <a14:useLocalDpi xmlns:a14="http://schemas.microsoft.com/office/drawing/2010/main" val="0"/>
+              </a:ext>
+            </a:extLst>
+          </a:blip>
+          <a:srcRect/>
+          <a:stretch>
+            <a:fillRect/>
+          </a:stretch>
+        </p:blipFill>
+        <p:spPr bwMode="auto">
+          <a:xfrm>
+            <a:off x="9585818" y="1372558"/>
+            <a:ext cx="1003814" cy="1176383"/>
+          </a:xfrm>
+          <a:prstGeom prst="rect">
+            <a:avLst/>
+          </a:prstGeom>
+          <a:noFill/>
+          <a:extLst>
+            <a:ext uri="{909E8E84-426E-40DD-AFC4-6F175D3DCCD1}">
+              <a14:hiddenFill xmlns:a14="http://schemas.microsoft.com/office/drawing/2010/main">
+                <a:solidFill>
+                  <a:srgbClr val="FFFFFF"/>
+                </a:solidFill>
+              </a14:hiddenFill>
+            </a:ext>
+          </a:extLst>
+        </p:spPr>
+      </p:pic>
+      <p:sp>
+        <p:nvSpPr>
+          <p:cNvPr id="6" name="CuadroTexto 5"/>
+          <p:cNvSpPr txBox="1"/>
+          <p:nvPr/>
+        </p:nvSpPr>
+        <p:spPr>
+          <a:xfrm>
+            <a:off x="9183576" y="2513380"/>
+            <a:ext cx="2181887" cy="369332"/>
+          </a:xfrm>
+          <a:prstGeom prst="rect">
+            <a:avLst/>
+          </a:prstGeom>
+          <a:noFill/>
+        </p:spPr>
+        <p:txBody>
+          <a:bodyPr wrap="square" rtlCol="0">
+            <a:spAutoFit/>
+          </a:bodyPr>
+          <a:lstStyle/>
+          <a:p>
+            <a:pPr algn="ctr"/>
+            <a:r>
+              <a:rPr lang="en-US" dirty="0" smtClean="0"/>
+              <a:t>Data Base </a:t>
+            </a:r>
+            <a:r>
+              <a:rPr lang="en-US" dirty="0" smtClean="0"/>
+              <a:t>1</a:t>
+            </a:r>
+            <a:endParaRPr lang="es-VE" dirty="0"/>
+          </a:p>
+        </p:txBody>
+      </p:sp>
+      <p:sp>
+        <p:nvSpPr>
+          <p:cNvPr id="13" name="Forma libre 12"/>
+          <p:cNvSpPr/>
+          <p:nvPr/>
+        </p:nvSpPr>
+        <p:spPr>
+          <a:xfrm>
+            <a:off x="4046195" y="2384346"/>
+            <a:ext cx="170344" cy="457200"/>
+          </a:xfrm>
+          <a:custGeom>
+            <a:avLst/>
+            <a:gdLst>
+              <a:gd name="connsiteX0" fmla="*/ 164763 w 421288"/>
+              <a:gd name="connsiteY0" fmla="*/ 0 h 1143000"/>
+              <a:gd name="connsiteX1" fmla="*/ 91611 w 421288"/>
+              <a:gd name="connsiteY1" fmla="*/ 173736 h 1143000"/>
+              <a:gd name="connsiteX2" fmla="*/ 365931 w 421288"/>
+              <a:gd name="connsiteY2" fmla="*/ 265176 h 1143000"/>
+              <a:gd name="connsiteX3" fmla="*/ 171 w 421288"/>
+              <a:gd name="connsiteY3" fmla="*/ 402336 h 1143000"/>
+              <a:gd name="connsiteX4" fmla="*/ 420795 w 421288"/>
+              <a:gd name="connsiteY4" fmla="*/ 493776 h 1143000"/>
+              <a:gd name="connsiteX5" fmla="*/ 91611 w 421288"/>
+              <a:gd name="connsiteY5" fmla="*/ 612648 h 1143000"/>
+              <a:gd name="connsiteX6" fmla="*/ 411651 w 421288"/>
+              <a:gd name="connsiteY6" fmla="*/ 694944 h 1143000"/>
+              <a:gd name="connsiteX7" fmla="*/ 128187 w 421288"/>
+              <a:gd name="connsiteY7" fmla="*/ 777240 h 1143000"/>
+              <a:gd name="connsiteX8" fmla="*/ 265347 w 421288"/>
+              <a:gd name="connsiteY8" fmla="*/ 850392 h 1143000"/>
+              <a:gd name="connsiteX9" fmla="*/ 265347 w 421288"/>
+              <a:gd name="connsiteY9" fmla="*/ 1143000 h 1143000"/>
+            </a:gdLst>
+            <a:ahLst/>
+            <a:cxnLst>
+              <a:cxn ang="0">
+                <a:pos x="connsiteX0" y="connsiteY0"/>
+              </a:cxn>
+              <a:cxn ang="0">
+                <a:pos x="connsiteX1" y="connsiteY1"/>
+              </a:cxn>
+              <a:cxn ang="0">
+                <a:pos x="connsiteX2" y="connsiteY2"/>
+              </a:cxn>
+              <a:cxn ang="0">
+                <a:pos x="connsiteX3" y="connsiteY3"/>
+              </a:cxn>
+              <a:cxn ang="0">
+                <a:pos x="connsiteX4" y="connsiteY4"/>
+              </a:cxn>
+              <a:cxn ang="0">
+                <a:pos x="connsiteX5" y="connsiteY5"/>
+              </a:cxn>
+              <a:cxn ang="0">
+                <a:pos x="connsiteX6" y="connsiteY6"/>
+              </a:cxn>
+              <a:cxn ang="0">
+                <a:pos x="connsiteX7" y="connsiteY7"/>
+              </a:cxn>
+              <a:cxn ang="0">
+                <a:pos x="connsiteX8" y="connsiteY8"/>
+              </a:cxn>
+              <a:cxn ang="0">
+                <a:pos x="connsiteX9" y="connsiteY9"/>
+              </a:cxn>
+            </a:cxnLst>
+            <a:rect l="l" t="t" r="r" b="b"/>
+            <a:pathLst>
+              <a:path w="421288" h="1143000">
+                <a:moveTo>
+                  <a:pt x="164763" y="0"/>
+                </a:moveTo>
+                <a:cubicBezTo>
+                  <a:pt x="111423" y="64770"/>
+                  <a:pt x="58083" y="129540"/>
+                  <a:pt x="91611" y="173736"/>
+                </a:cubicBezTo>
+                <a:cubicBezTo>
+                  <a:pt x="125139" y="217932"/>
+                  <a:pt x="381171" y="227076"/>
+                  <a:pt x="365931" y="265176"/>
+                </a:cubicBezTo>
+                <a:cubicBezTo>
+                  <a:pt x="350691" y="303276"/>
+                  <a:pt x="-8973" y="364236"/>
+                  <a:pt x="171" y="402336"/>
+                </a:cubicBezTo>
+                <a:cubicBezTo>
+                  <a:pt x="9315" y="440436"/>
+                  <a:pt x="405555" y="458724"/>
+                  <a:pt x="420795" y="493776"/>
+                </a:cubicBezTo>
+                <a:cubicBezTo>
+                  <a:pt x="436035" y="528828"/>
+                  <a:pt x="93135" y="579120"/>
+                  <a:pt x="91611" y="612648"/>
+                </a:cubicBezTo>
+                <a:cubicBezTo>
+                  <a:pt x="90087" y="646176"/>
+                  <a:pt x="405555" y="667512"/>
+                  <a:pt x="411651" y="694944"/>
+                </a:cubicBezTo>
+                <a:cubicBezTo>
+                  <a:pt x="417747" y="722376"/>
+                  <a:pt x="152571" y="751332"/>
+                  <a:pt x="128187" y="777240"/>
+                </a:cubicBezTo>
+                <a:cubicBezTo>
+                  <a:pt x="103803" y="803148"/>
+                  <a:pt x="242487" y="789432"/>
+                  <a:pt x="265347" y="850392"/>
+                </a:cubicBezTo>
+                <a:cubicBezTo>
+                  <a:pt x="288207" y="911352"/>
+                  <a:pt x="257727" y="1088136"/>
+                  <a:pt x="265347" y="1143000"/>
+                </a:cubicBezTo>
+              </a:path>
+            </a:pathLst>
+          </a:custGeom>
+          <a:noFill/>
+          <a:ln>
+            <a:solidFill>
+              <a:schemeClr val="tx1"/>
+            </a:solidFill>
+            <a:headEnd type="none" w="med" len="med"/>
+            <a:tailEnd type="triangle" w="med" len="med"/>
+          </a:ln>
+        </p:spPr>
+        <p:style>
+          <a:lnRef idx="2">
+            <a:schemeClr val="accent1">
+              <a:shade val="50000"/>
+            </a:schemeClr>
+          </a:lnRef>
+          <a:fillRef idx="1">
+            <a:schemeClr val="accent1"/>
+          </a:fillRef>
+          <a:effectRef idx="0">
+            <a:schemeClr val="accent1"/>
+          </a:effectRef>
+          <a:fontRef idx="minor">
+            <a:schemeClr val="lt1"/>
+          </a:fontRef>
+        </p:style>
+        <p:txBody>
+          <a:bodyPr rtlCol="0" anchor="ctr"/>
+          <a:lstStyle/>
+          <a:p>
+            <a:pPr algn="ctr"/>
+            <a:endParaRPr lang="es-VE" sz="1400">
+              <a:ln>
+                <a:solidFill>
+                  <a:schemeClr val="tx1"/>
+                </a:solidFill>
+              </a:ln>
+              <a:latin typeface="Arial" panose="020B0604020202020204" pitchFamily="34" charset="0"/>
+              <a:cs typeface="Arial" panose="020B0604020202020204" pitchFamily="34" charset="0"/>
+            </a:endParaRPr>
+          </a:p>
+        </p:txBody>
+      </p:sp>
+      <p:sp>
+        <p:nvSpPr>
+          <p:cNvPr id="15" name="Forma libre 14"/>
+          <p:cNvSpPr/>
+          <p:nvPr/>
+        </p:nvSpPr>
+        <p:spPr>
+          <a:xfrm>
+            <a:off x="4057213" y="2996327"/>
+            <a:ext cx="170344" cy="457200"/>
+          </a:xfrm>
+          <a:custGeom>
+            <a:avLst/>
+            <a:gdLst>
+              <a:gd name="connsiteX0" fmla="*/ 164763 w 421288"/>
+              <a:gd name="connsiteY0" fmla="*/ 0 h 1143000"/>
+              <a:gd name="connsiteX1" fmla="*/ 91611 w 421288"/>
+              <a:gd name="connsiteY1" fmla="*/ 173736 h 1143000"/>
+              <a:gd name="connsiteX2" fmla="*/ 365931 w 421288"/>
+              <a:gd name="connsiteY2" fmla="*/ 265176 h 1143000"/>
+              <a:gd name="connsiteX3" fmla="*/ 171 w 421288"/>
+              <a:gd name="connsiteY3" fmla="*/ 402336 h 1143000"/>
+              <a:gd name="connsiteX4" fmla="*/ 420795 w 421288"/>
+              <a:gd name="connsiteY4" fmla="*/ 493776 h 1143000"/>
+              <a:gd name="connsiteX5" fmla="*/ 91611 w 421288"/>
+              <a:gd name="connsiteY5" fmla="*/ 612648 h 1143000"/>
+              <a:gd name="connsiteX6" fmla="*/ 411651 w 421288"/>
+              <a:gd name="connsiteY6" fmla="*/ 694944 h 1143000"/>
+              <a:gd name="connsiteX7" fmla="*/ 128187 w 421288"/>
+              <a:gd name="connsiteY7" fmla="*/ 777240 h 1143000"/>
+              <a:gd name="connsiteX8" fmla="*/ 265347 w 421288"/>
+              <a:gd name="connsiteY8" fmla="*/ 850392 h 1143000"/>
+              <a:gd name="connsiteX9" fmla="*/ 265347 w 421288"/>
+              <a:gd name="connsiteY9" fmla="*/ 1143000 h 1143000"/>
+            </a:gdLst>
+            <a:ahLst/>
+            <a:cxnLst>
+              <a:cxn ang="0">
+                <a:pos x="connsiteX0" y="connsiteY0"/>
+              </a:cxn>
+              <a:cxn ang="0">
+                <a:pos x="connsiteX1" y="connsiteY1"/>
+              </a:cxn>
+              <a:cxn ang="0">
+                <a:pos x="connsiteX2" y="connsiteY2"/>
+              </a:cxn>
+              <a:cxn ang="0">
+                <a:pos x="connsiteX3" y="connsiteY3"/>
+              </a:cxn>
+              <a:cxn ang="0">
+                <a:pos x="connsiteX4" y="connsiteY4"/>
+              </a:cxn>
+              <a:cxn ang="0">
+                <a:pos x="connsiteX5" y="connsiteY5"/>
+              </a:cxn>
+              <a:cxn ang="0">
+                <a:pos x="connsiteX6" y="connsiteY6"/>
+              </a:cxn>
+              <a:cxn ang="0">
+                <a:pos x="connsiteX7" y="connsiteY7"/>
+              </a:cxn>
+              <a:cxn ang="0">
+                <a:pos x="connsiteX8" y="connsiteY8"/>
+              </a:cxn>
+              <a:cxn ang="0">
+                <a:pos x="connsiteX9" y="connsiteY9"/>
+              </a:cxn>
+            </a:cxnLst>
+            <a:rect l="l" t="t" r="r" b="b"/>
+            <a:pathLst>
+              <a:path w="421288" h="1143000">
+                <a:moveTo>
+                  <a:pt x="164763" y="0"/>
+                </a:moveTo>
+                <a:cubicBezTo>
+                  <a:pt x="111423" y="64770"/>
+                  <a:pt x="58083" y="129540"/>
+                  <a:pt x="91611" y="173736"/>
+                </a:cubicBezTo>
+                <a:cubicBezTo>
+                  <a:pt x="125139" y="217932"/>
+                  <a:pt x="381171" y="227076"/>
+                  <a:pt x="365931" y="265176"/>
+                </a:cubicBezTo>
+                <a:cubicBezTo>
+                  <a:pt x="350691" y="303276"/>
+                  <a:pt x="-8973" y="364236"/>
+                  <a:pt x="171" y="402336"/>
+                </a:cubicBezTo>
+                <a:cubicBezTo>
+                  <a:pt x="9315" y="440436"/>
+                  <a:pt x="405555" y="458724"/>
+                  <a:pt x="420795" y="493776"/>
+                </a:cubicBezTo>
+                <a:cubicBezTo>
+                  <a:pt x="436035" y="528828"/>
+                  <a:pt x="93135" y="579120"/>
+                  <a:pt x="91611" y="612648"/>
+                </a:cubicBezTo>
+                <a:cubicBezTo>
+                  <a:pt x="90087" y="646176"/>
+                  <a:pt x="405555" y="667512"/>
+                  <a:pt x="411651" y="694944"/>
+                </a:cubicBezTo>
+                <a:cubicBezTo>
+                  <a:pt x="417747" y="722376"/>
+                  <a:pt x="152571" y="751332"/>
+                  <a:pt x="128187" y="777240"/>
+                </a:cubicBezTo>
+                <a:cubicBezTo>
+                  <a:pt x="103803" y="803148"/>
+                  <a:pt x="242487" y="789432"/>
+                  <a:pt x="265347" y="850392"/>
+                </a:cubicBezTo>
+                <a:cubicBezTo>
+                  <a:pt x="288207" y="911352"/>
+                  <a:pt x="257727" y="1088136"/>
+                  <a:pt x="265347" y="1143000"/>
+                </a:cubicBezTo>
+              </a:path>
+            </a:pathLst>
+          </a:custGeom>
+          <a:noFill/>
+          <a:ln>
+            <a:solidFill>
+              <a:schemeClr val="tx1"/>
+            </a:solidFill>
+            <a:headEnd type="none" w="med" len="med"/>
+            <a:tailEnd type="triangle" w="med" len="med"/>
+          </a:ln>
+        </p:spPr>
+        <p:style>
+          <a:lnRef idx="2">
+            <a:schemeClr val="accent1">
+              <a:shade val="50000"/>
+            </a:schemeClr>
+          </a:lnRef>
+          <a:fillRef idx="1">
+            <a:schemeClr val="accent1"/>
+          </a:fillRef>
+          <a:effectRef idx="0">
+            <a:schemeClr val="accent1"/>
+          </a:effectRef>
+          <a:fontRef idx="minor">
+            <a:schemeClr val="lt1"/>
+          </a:fontRef>
+        </p:style>
+        <p:txBody>
+          <a:bodyPr rtlCol="0" anchor="ctr"/>
+          <a:lstStyle/>
+          <a:p>
+            <a:pPr algn="ctr"/>
+            <a:endParaRPr lang="es-VE" sz="1400">
+              <a:ln>
+                <a:solidFill>
+                  <a:schemeClr val="tx1"/>
+                </a:solidFill>
+              </a:ln>
+              <a:latin typeface="Arial" panose="020B0604020202020204" pitchFamily="34" charset="0"/>
+              <a:cs typeface="Arial" panose="020B0604020202020204" pitchFamily="34" charset="0"/>
+            </a:endParaRPr>
+          </a:p>
+        </p:txBody>
+      </p:sp>
+      <p:sp>
+        <p:nvSpPr>
+          <p:cNvPr id="16" name="CuadroTexto 15"/>
+          <p:cNvSpPr txBox="1"/>
+          <p:nvPr/>
+        </p:nvSpPr>
+        <p:spPr>
+          <a:xfrm>
+            <a:off x="6468100" y="2801364"/>
+            <a:ext cx="1982709" cy="369332"/>
+          </a:xfrm>
+          <a:prstGeom prst="rect">
+            <a:avLst/>
+          </a:prstGeom>
+          <a:noFill/>
+        </p:spPr>
+        <p:txBody>
+          <a:bodyPr wrap="square" rtlCol="0">
+            <a:spAutoFit/>
+          </a:bodyPr>
+          <a:lstStyle/>
+          <a:p>
+            <a:r>
+              <a:rPr lang="en-US" dirty="0" smtClean="0"/>
+              <a:t>Downloader 1</a:t>
+            </a:r>
+            <a:endParaRPr lang="es-VE" dirty="0"/>
+          </a:p>
+        </p:txBody>
+      </p:sp>
+      <p:sp>
+        <p:nvSpPr>
+          <p:cNvPr id="18" name="CuadroTexto 17"/>
+          <p:cNvSpPr txBox="1"/>
+          <p:nvPr/>
+        </p:nvSpPr>
+        <p:spPr>
+          <a:xfrm>
+            <a:off x="2378033" y="4185018"/>
+            <a:ext cx="1315782" cy="369332"/>
+          </a:xfrm>
+          <a:prstGeom prst="rect">
+            <a:avLst/>
+          </a:prstGeom>
+          <a:noFill/>
+        </p:spPr>
+        <p:txBody>
+          <a:bodyPr wrap="square" rtlCol="0">
+            <a:spAutoFit/>
+          </a:bodyPr>
+          <a:lstStyle/>
+          <a:p>
+            <a:r>
+              <a:rPr lang="en-US" dirty="0" err="1" smtClean="0"/>
+              <a:t>Distpacher</a:t>
+            </a:r>
+            <a:endParaRPr lang="es-VE" dirty="0"/>
+          </a:p>
+        </p:txBody>
+      </p:sp>
+      <p:sp>
+        <p:nvSpPr>
+          <p:cNvPr id="8" name="CuadroTexto 7"/>
+          <p:cNvSpPr txBox="1"/>
+          <p:nvPr/>
+        </p:nvSpPr>
+        <p:spPr>
+          <a:xfrm rot="16200000">
+            <a:off x="5286117" y="1625730"/>
+            <a:ext cx="1478166" cy="369332"/>
+          </a:xfrm>
+          <a:prstGeom prst="rect">
+            <a:avLst/>
+          </a:prstGeom>
+          <a:noFill/>
+        </p:spPr>
+        <p:txBody>
+          <a:bodyPr wrap="square" rtlCol="0">
+            <a:spAutoFit/>
+          </a:bodyPr>
+          <a:lstStyle/>
+          <a:p>
+            <a:r>
+              <a:rPr lang="en-US" dirty="0" smtClean="0"/>
+              <a:t>REST Service</a:t>
+            </a:r>
+            <a:endParaRPr lang="es-VE" dirty="0"/>
+          </a:p>
+        </p:txBody>
+      </p:sp>
+      <p:cxnSp>
+        <p:nvCxnSpPr>
+          <p:cNvPr id="10" name="Conector recto de flecha 9"/>
+          <p:cNvCxnSpPr>
+            <a:stCxn id="13" idx="2"/>
+          </p:cNvCxnSpPr>
+          <p:nvPr/>
+        </p:nvCxnSpPr>
+        <p:spPr>
+          <a:xfrm flipV="1">
+            <a:off x="4194156" y="1486413"/>
+            <a:ext cx="1660197" cy="1004003"/>
+          </a:xfrm>
+          <a:prstGeom prst="straightConnector1">
+            <a:avLst/>
+          </a:prstGeom>
+          <a:ln>
+            <a:solidFill>
+              <a:schemeClr val="accent1"/>
+            </a:solidFill>
+            <a:tailEnd type="triangle"/>
+          </a:ln>
+        </p:spPr>
+        <p:style>
+          <a:lnRef idx="1">
+            <a:schemeClr val="accent1"/>
+          </a:lnRef>
+          <a:fillRef idx="0">
+            <a:schemeClr val="accent1"/>
+          </a:fillRef>
+          <a:effectRef idx="0">
+            <a:schemeClr val="accent1"/>
+          </a:effectRef>
+          <a:fontRef idx="minor">
+            <a:schemeClr val="tx1"/>
+          </a:fontRef>
+        </p:style>
+      </p:cxnSp>
+      <p:cxnSp>
+        <p:nvCxnSpPr>
+          <p:cNvPr id="12" name="Conector recto de flecha 11"/>
+          <p:cNvCxnSpPr>
+            <a:stCxn id="15" idx="2"/>
+          </p:cNvCxnSpPr>
+          <p:nvPr/>
+        </p:nvCxnSpPr>
+        <p:spPr>
+          <a:xfrm>
+            <a:off x="4205174" y="3102397"/>
+            <a:ext cx="1649179" cy="882302"/>
+          </a:xfrm>
+          <a:prstGeom prst="straightConnector1">
+            <a:avLst/>
+          </a:prstGeom>
+          <a:ln>
+            <a:solidFill>
+              <a:schemeClr val="accent1"/>
+            </a:solidFill>
+            <a:tailEnd type="triangle"/>
+          </a:ln>
+        </p:spPr>
+        <p:style>
+          <a:lnRef idx="1">
+            <a:schemeClr val="accent1"/>
+          </a:lnRef>
+          <a:fillRef idx="0">
+            <a:schemeClr val="accent1"/>
+          </a:fillRef>
+          <a:effectRef idx="0">
+            <a:schemeClr val="accent1"/>
+          </a:effectRef>
+          <a:fontRef idx="minor">
+            <a:schemeClr val="tx1"/>
+          </a:fontRef>
+        </p:style>
+      </p:cxnSp>
+      <p:cxnSp>
+        <p:nvCxnSpPr>
+          <p:cNvPr id="20" name="Conector recto de flecha 19"/>
+          <p:cNvCxnSpPr>
+            <a:stCxn id="53" idx="1"/>
+            <a:endCxn id="45" idx="3"/>
+          </p:cNvCxnSpPr>
+          <p:nvPr/>
+        </p:nvCxnSpPr>
+        <p:spPr>
+          <a:xfrm flipH="1">
+            <a:off x="4367983" y="2670862"/>
+            <a:ext cx="1498305" cy="1301853"/>
+          </a:xfrm>
+          <a:prstGeom prst="straightConnector1">
+            <a:avLst/>
+          </a:prstGeom>
+          <a:ln>
+            <a:solidFill>
+              <a:schemeClr val="accent4"/>
+            </a:solidFill>
+            <a:tailEnd type="triangle"/>
+          </a:ln>
+        </p:spPr>
+        <p:style>
+          <a:lnRef idx="1">
+            <a:schemeClr val="accent1"/>
+          </a:lnRef>
+          <a:fillRef idx="0">
+            <a:schemeClr val="accent1"/>
+          </a:fillRef>
+          <a:effectRef idx="0">
+            <a:schemeClr val="accent1"/>
+          </a:effectRef>
+          <a:fontRef idx="minor">
+            <a:schemeClr val="tx1"/>
+          </a:fontRef>
+        </p:style>
+      </p:cxnSp>
+      <p:sp>
+        <p:nvSpPr>
+          <p:cNvPr id="32" name="Cilindro 31"/>
+          <p:cNvSpPr/>
+          <p:nvPr/>
+        </p:nvSpPr>
+        <p:spPr>
+          <a:xfrm>
+            <a:off x="9400428" y="3640120"/>
+            <a:ext cx="1374594" cy="1289927"/>
+          </a:xfrm>
+          <a:prstGeom prst="can">
+            <a:avLst/>
+          </a:prstGeom>
+        </p:spPr>
+        <p:style>
+          <a:lnRef idx="2">
+            <a:schemeClr val="accent1">
+              <a:shade val="50000"/>
+            </a:schemeClr>
+          </a:lnRef>
+          <a:fillRef idx="1">
+            <a:schemeClr val="accent1"/>
+          </a:fillRef>
+          <a:effectRef idx="0">
+            <a:schemeClr val="accent1"/>
+          </a:effectRef>
+          <a:fontRef idx="minor">
+            <a:schemeClr val="lt1"/>
+          </a:fontRef>
+        </p:style>
+        <p:txBody>
+          <a:bodyPr rtlCol="0" anchor="ctr"/>
+          <a:lstStyle/>
+          <a:p>
+            <a:pPr algn="ctr"/>
+            <a:endParaRPr lang="es-VE"/>
+          </a:p>
+        </p:txBody>
+      </p:sp>
+      <p:pic>
+        <p:nvPicPr>
+          <p:cNvPr id="36" name="Picture 12" descr="Resultado de imagen para mongodb"/>
+          <p:cNvPicPr>
+            <a:picLocks noChangeAspect="1" noChangeArrowheads="1"/>
+          </p:cNvPicPr>
+          <p:nvPr/>
+        </p:nvPicPr>
+        <p:blipFill>
+          <a:blip r:embed="rId7" cstate="print">
+            <a:extLst>
+              <a:ext uri="{28A0092B-C50C-407E-A947-70E740481C1C}">
+                <a14:useLocalDpi xmlns:a14="http://schemas.microsoft.com/office/drawing/2010/main" val="0"/>
+              </a:ext>
+            </a:extLst>
+          </a:blip>
+          <a:srcRect/>
+          <a:stretch>
+            <a:fillRect/>
+          </a:stretch>
+        </p:blipFill>
+        <p:spPr bwMode="auto">
+          <a:xfrm>
+            <a:off x="9585818" y="3862306"/>
+            <a:ext cx="1003814" cy="1176383"/>
+          </a:xfrm>
+          <a:prstGeom prst="rect">
+            <a:avLst/>
+          </a:prstGeom>
+          <a:noFill/>
+          <a:extLst>
+            <a:ext uri="{909E8E84-426E-40DD-AFC4-6F175D3DCCD1}">
+              <a14:hiddenFill xmlns:a14="http://schemas.microsoft.com/office/drawing/2010/main">
+                <a:solidFill>
+                  <a:srgbClr val="FFFFFF"/>
+                </a:solidFill>
+              </a14:hiddenFill>
+            </a:ext>
+          </a:extLst>
+        </p:spPr>
+      </p:pic>
+      <p:sp>
+        <p:nvSpPr>
+          <p:cNvPr id="37" name="CuadroTexto 36"/>
+          <p:cNvSpPr txBox="1"/>
+          <p:nvPr/>
+        </p:nvSpPr>
+        <p:spPr>
+          <a:xfrm>
+            <a:off x="9183576" y="4967567"/>
+            <a:ext cx="2181887" cy="369332"/>
+          </a:xfrm>
+          <a:prstGeom prst="rect">
+            <a:avLst/>
+          </a:prstGeom>
+          <a:noFill/>
+        </p:spPr>
+        <p:txBody>
+          <a:bodyPr wrap="square" rtlCol="0">
+            <a:spAutoFit/>
+          </a:bodyPr>
+          <a:lstStyle/>
+          <a:p>
+            <a:pPr algn="ctr"/>
+            <a:r>
+              <a:rPr lang="en-US" dirty="0" smtClean="0"/>
+              <a:t>Data Base 2</a:t>
+            </a:r>
+            <a:endParaRPr lang="es-VE" dirty="0"/>
+          </a:p>
+        </p:txBody>
+      </p:sp>
+      <p:sp>
+        <p:nvSpPr>
+          <p:cNvPr id="38" name="CuadroTexto 37"/>
+          <p:cNvSpPr txBox="1"/>
+          <p:nvPr/>
+        </p:nvSpPr>
+        <p:spPr>
+          <a:xfrm>
+            <a:off x="6509846" y="5385957"/>
+            <a:ext cx="1982709" cy="369332"/>
+          </a:xfrm>
+          <a:prstGeom prst="rect">
+            <a:avLst/>
+          </a:prstGeom>
+          <a:noFill/>
+        </p:spPr>
+        <p:txBody>
+          <a:bodyPr wrap="square" rtlCol="0">
+            <a:spAutoFit/>
+          </a:bodyPr>
+          <a:lstStyle/>
+          <a:p>
+            <a:r>
+              <a:rPr lang="en-US" dirty="0" smtClean="0"/>
+              <a:t>Downloader 2</a:t>
+            </a:r>
+            <a:endParaRPr lang="es-VE" dirty="0"/>
+          </a:p>
+        </p:txBody>
+      </p:sp>
+      <p:cxnSp>
+        <p:nvCxnSpPr>
+          <p:cNvPr id="26" name="Conector recto de flecha 25"/>
+          <p:cNvCxnSpPr>
+            <a:stCxn id="57" idx="3"/>
+            <a:endCxn id="32" idx="2"/>
+          </p:cNvCxnSpPr>
+          <p:nvPr/>
+        </p:nvCxnSpPr>
+        <p:spPr>
+          <a:xfrm>
+            <a:off x="8746527" y="4283120"/>
+            <a:ext cx="653901" cy="1964"/>
+          </a:xfrm>
+          <a:prstGeom prst="straightConnector1">
+            <a:avLst/>
+          </a:prstGeom>
+          <a:ln>
+            <a:tailEnd type="triangle"/>
+          </a:ln>
+        </p:spPr>
+        <p:style>
+          <a:lnRef idx="1">
+            <a:schemeClr val="accent1"/>
+          </a:lnRef>
+          <a:fillRef idx="0">
+            <a:schemeClr val="accent1"/>
+          </a:fillRef>
+          <a:effectRef idx="0">
+            <a:schemeClr val="accent1"/>
+          </a:effectRef>
+          <a:fontRef idx="minor">
+            <a:schemeClr val="tx1"/>
+          </a:fontRef>
+        </p:style>
+      </p:cxnSp>
+      <p:cxnSp>
+        <p:nvCxnSpPr>
+          <p:cNvPr id="40" name="Conector recto de flecha 39"/>
+          <p:cNvCxnSpPr>
+            <a:stCxn id="19" idx="3"/>
+            <a:endCxn id="5" idx="2"/>
+          </p:cNvCxnSpPr>
+          <p:nvPr/>
+        </p:nvCxnSpPr>
+        <p:spPr>
+          <a:xfrm>
+            <a:off x="8727890" y="1793372"/>
+            <a:ext cx="672538" cy="1964"/>
+          </a:xfrm>
+          <a:prstGeom prst="straightConnector1">
+            <a:avLst/>
+          </a:prstGeom>
+          <a:ln>
+            <a:tailEnd type="triangle"/>
+          </a:ln>
+        </p:spPr>
+        <p:style>
+          <a:lnRef idx="1">
+            <a:schemeClr val="accent1"/>
+          </a:lnRef>
+          <a:fillRef idx="0">
+            <a:schemeClr val="accent1"/>
+          </a:fillRef>
+          <a:effectRef idx="0">
+            <a:schemeClr val="accent1"/>
+          </a:effectRef>
+          <a:fontRef idx="minor">
+            <a:schemeClr val="tx1"/>
+          </a:fontRef>
+        </p:style>
+      </p:cxnSp>
+      <p:cxnSp>
+        <p:nvCxnSpPr>
+          <p:cNvPr id="49" name="Conector recto de flecha 48"/>
+          <p:cNvCxnSpPr>
+            <a:stCxn id="63" idx="1"/>
+            <a:endCxn id="45" idx="3"/>
+          </p:cNvCxnSpPr>
+          <p:nvPr/>
+        </p:nvCxnSpPr>
+        <p:spPr>
+          <a:xfrm flipH="1" flipV="1">
+            <a:off x="4367983" y="3972715"/>
+            <a:ext cx="1516942" cy="1187895"/>
+          </a:xfrm>
+          <a:prstGeom prst="straightConnector1">
+            <a:avLst/>
+          </a:prstGeom>
+          <a:ln>
+            <a:solidFill>
+              <a:schemeClr val="accent4"/>
+            </a:solidFill>
+            <a:tailEnd type="triangle"/>
+          </a:ln>
+        </p:spPr>
+        <p:style>
+          <a:lnRef idx="1">
+            <a:schemeClr val="accent1"/>
+          </a:lnRef>
+          <a:fillRef idx="0">
+            <a:schemeClr val="accent1"/>
+          </a:fillRef>
+          <a:effectRef idx="0">
+            <a:schemeClr val="accent1"/>
+          </a:effectRef>
+          <a:fontRef idx="minor">
+            <a:schemeClr val="tx1"/>
+          </a:fontRef>
+        </p:style>
+      </p:cxnSp>
+      <p:graphicFrame>
+        <p:nvGraphicFramePr>
+          <p:cNvPr id="45" name="Tabla 44"/>
+          <p:cNvGraphicFramePr>
+            <a:graphicFrameLocks noGrp="1"/>
+          </p:cNvGraphicFramePr>
+          <p:nvPr>
+            <p:extLst/>
+          </p:nvPr>
+        </p:nvGraphicFramePr>
+        <p:xfrm>
+          <a:off x="1443711" y="3850795"/>
+          <a:ext cx="2924272" cy="243840"/>
+        </p:xfrm>
+        <a:graphic>
+          <a:graphicData uri="http://schemas.openxmlformats.org/drawingml/2006/table">
+            <a:tbl>
+              <a:tblPr firstRow="1" bandRow="1">
+                <a:tableStyleId>{5940675A-B579-460E-94D1-54222C63F5DA}</a:tableStyleId>
+              </a:tblPr>
+              <a:tblGrid>
+                <a:gridCol w="365534"/>
+                <a:gridCol w="365534"/>
+                <a:gridCol w="365534"/>
+                <a:gridCol w="365534"/>
+                <a:gridCol w="365534"/>
+                <a:gridCol w="365534"/>
+                <a:gridCol w="365534"/>
+                <a:gridCol w="365534"/>
+              </a:tblGrid>
+              <a:tr h="219090">
+                <a:tc>
+                  <a:txBody>
+                    <a:bodyPr/>
+                    <a:lstStyle/>
+                    <a:p>
+                      <a:pPr algn="ctr"/>
+                      <a:r>
+                        <a:rPr lang="en-US" sz="1000" dirty="0" err="1" smtClean="0"/>
+                        <a:t>url</a:t>
+                      </a:r>
+                      <a:endParaRPr lang="es-VE" sz="1000" dirty="0"/>
+                    </a:p>
+                  </a:txBody>
+                  <a:tcPr/>
+                </a:tc>
+                <a:tc>
+                  <a:txBody>
+                    <a:bodyPr/>
+                    <a:lstStyle/>
+                    <a:p>
+                      <a:r>
+                        <a:rPr lang="en-US" sz="1000" dirty="0" err="1" smtClean="0"/>
+                        <a:t>url</a:t>
+                      </a:r>
+                      <a:endParaRPr lang="es-VE" sz="1000" dirty="0"/>
+                    </a:p>
+                  </a:txBody>
+                  <a:tcPr/>
+                </a:tc>
+                <a:tc>
+                  <a:txBody>
+                    <a:bodyPr/>
+                    <a:lstStyle/>
+                    <a:p>
+                      <a:r>
+                        <a:rPr lang="en-US" sz="1000" dirty="0" err="1" smtClean="0"/>
+                        <a:t>url</a:t>
+                      </a:r>
+                      <a:endParaRPr lang="es-VE" sz="1000" dirty="0"/>
+                    </a:p>
+                  </a:txBody>
+                  <a:tcPr/>
+                </a:tc>
+                <a:tc>
+                  <a:txBody>
+                    <a:bodyPr/>
+                    <a:lstStyle/>
+                    <a:p>
+                      <a:r>
+                        <a:rPr lang="en-US" sz="1000" dirty="0" err="1" smtClean="0"/>
+                        <a:t>url</a:t>
+                      </a:r>
+                      <a:endParaRPr lang="es-VE" sz="1000" dirty="0"/>
+                    </a:p>
+                  </a:txBody>
+                  <a:tcPr/>
+                </a:tc>
+                <a:tc>
+                  <a:txBody>
+                    <a:bodyPr/>
+                    <a:lstStyle/>
+                    <a:p>
+                      <a:r>
+                        <a:rPr lang="en-US" sz="1000" dirty="0" err="1" smtClean="0"/>
+                        <a:t>url</a:t>
+                      </a:r>
+                      <a:endParaRPr lang="es-VE" sz="1000" dirty="0"/>
+                    </a:p>
+                  </a:txBody>
+                  <a:tcPr/>
+                </a:tc>
+                <a:tc>
+                  <a:txBody>
+                    <a:bodyPr/>
+                    <a:lstStyle/>
+                    <a:p>
+                      <a:r>
+                        <a:rPr lang="en-US" sz="1000" dirty="0" err="1" smtClean="0"/>
+                        <a:t>url</a:t>
+                      </a:r>
+                      <a:endParaRPr lang="es-VE" sz="1000" dirty="0"/>
+                    </a:p>
+                  </a:txBody>
+                  <a:tcPr/>
+                </a:tc>
+                <a:tc>
+                  <a:txBody>
+                    <a:bodyPr/>
+                    <a:lstStyle/>
+                    <a:p>
+                      <a:r>
+                        <a:rPr lang="en-US" sz="1000" dirty="0" smtClean="0"/>
+                        <a:t>…</a:t>
+                      </a:r>
+                      <a:endParaRPr lang="es-VE" sz="1000" dirty="0"/>
+                    </a:p>
+                  </a:txBody>
+                  <a:tcPr/>
+                </a:tc>
+                <a:tc>
+                  <a:txBody>
+                    <a:bodyPr/>
+                    <a:lstStyle/>
+                    <a:p>
+                      <a:endParaRPr lang="es-VE" sz="1000" dirty="0"/>
+                    </a:p>
+                  </a:txBody>
+                  <a:tcPr/>
+                </a:tc>
+              </a:tr>
+            </a:tbl>
+          </a:graphicData>
+        </a:graphic>
+      </p:graphicFrame>
+      <p:graphicFrame>
+        <p:nvGraphicFramePr>
+          <p:cNvPr id="53" name="Tabla 52"/>
+          <p:cNvGraphicFramePr>
+            <a:graphicFrameLocks noGrp="1"/>
+          </p:cNvGraphicFramePr>
+          <p:nvPr>
+            <p:extLst/>
+          </p:nvPr>
+        </p:nvGraphicFramePr>
+        <p:xfrm>
+          <a:off x="5866288" y="2548942"/>
+          <a:ext cx="2861600" cy="243840"/>
+        </p:xfrm>
+        <a:graphic>
+          <a:graphicData uri="http://schemas.openxmlformats.org/drawingml/2006/table">
+            <a:tbl>
+              <a:tblPr firstRow="1" bandRow="1">
+                <a:tableStyleId>{5940675A-B579-460E-94D1-54222C63F5DA}</a:tableStyleId>
+              </a:tblPr>
+              <a:tblGrid>
+                <a:gridCol w="357700"/>
+                <a:gridCol w="357700"/>
+                <a:gridCol w="357700"/>
+                <a:gridCol w="357700"/>
+                <a:gridCol w="357700"/>
+                <a:gridCol w="357700"/>
+                <a:gridCol w="357700"/>
+                <a:gridCol w="357700"/>
+              </a:tblGrid>
+              <a:tr h="219090">
+                <a:tc>
+                  <a:txBody>
+                    <a:bodyPr/>
+                    <a:lstStyle/>
+                    <a:p>
+                      <a:pPr algn="ctr"/>
+                      <a:r>
+                        <a:rPr lang="en-US" sz="1000" dirty="0" err="1" smtClean="0"/>
+                        <a:t>url</a:t>
+                      </a:r>
+                      <a:endParaRPr lang="es-VE" sz="1000" dirty="0"/>
+                    </a:p>
+                  </a:txBody>
+                  <a:tcPr/>
+                </a:tc>
+                <a:tc>
+                  <a:txBody>
+                    <a:bodyPr/>
+                    <a:lstStyle/>
+                    <a:p>
+                      <a:r>
+                        <a:rPr lang="en-US" sz="1000" dirty="0" err="1" smtClean="0"/>
+                        <a:t>url</a:t>
+                      </a:r>
+                      <a:endParaRPr lang="es-VE" sz="1000" dirty="0"/>
+                    </a:p>
+                  </a:txBody>
+                  <a:tcPr/>
+                </a:tc>
+                <a:tc>
+                  <a:txBody>
+                    <a:bodyPr/>
+                    <a:lstStyle/>
+                    <a:p>
+                      <a:r>
+                        <a:rPr lang="en-US" sz="1000" dirty="0" err="1" smtClean="0"/>
+                        <a:t>url</a:t>
+                      </a:r>
+                      <a:endParaRPr lang="es-VE" sz="1000" dirty="0"/>
+                    </a:p>
+                  </a:txBody>
+                  <a:tcPr/>
+                </a:tc>
+                <a:tc>
+                  <a:txBody>
+                    <a:bodyPr/>
+                    <a:lstStyle/>
+                    <a:p>
+                      <a:r>
+                        <a:rPr lang="en-US" sz="1000" dirty="0" err="1" smtClean="0"/>
+                        <a:t>url</a:t>
+                      </a:r>
+                      <a:endParaRPr lang="es-VE" sz="1000" dirty="0"/>
+                    </a:p>
+                  </a:txBody>
+                  <a:tcPr/>
+                </a:tc>
+                <a:tc>
+                  <a:txBody>
+                    <a:bodyPr/>
+                    <a:lstStyle/>
+                    <a:p>
+                      <a:r>
+                        <a:rPr lang="en-US" sz="1000" dirty="0" err="1" smtClean="0"/>
+                        <a:t>url</a:t>
+                      </a:r>
+                      <a:endParaRPr lang="es-VE" sz="1000" dirty="0"/>
+                    </a:p>
+                  </a:txBody>
+                  <a:tcPr/>
+                </a:tc>
+                <a:tc>
+                  <a:txBody>
+                    <a:bodyPr/>
+                    <a:lstStyle/>
+                    <a:p>
+                      <a:r>
+                        <a:rPr lang="en-US" sz="1000" dirty="0" err="1" smtClean="0"/>
+                        <a:t>url</a:t>
+                      </a:r>
+                      <a:endParaRPr lang="es-VE" sz="1000" dirty="0"/>
+                    </a:p>
+                  </a:txBody>
+                  <a:tcPr/>
+                </a:tc>
+                <a:tc>
+                  <a:txBody>
+                    <a:bodyPr/>
+                    <a:lstStyle/>
+                    <a:p>
+                      <a:r>
+                        <a:rPr lang="en-US" sz="1000" dirty="0" smtClean="0"/>
+                        <a:t>…</a:t>
+                      </a:r>
+                      <a:endParaRPr lang="es-VE" sz="1000" dirty="0"/>
+                    </a:p>
+                  </a:txBody>
+                  <a:tcPr/>
+                </a:tc>
+                <a:tc>
+                  <a:txBody>
+                    <a:bodyPr/>
+                    <a:lstStyle/>
+                    <a:p>
+                      <a:endParaRPr lang="es-VE" sz="1000" dirty="0"/>
+                    </a:p>
+                  </a:txBody>
+                  <a:tcPr/>
+                </a:tc>
+              </a:tr>
+            </a:tbl>
+          </a:graphicData>
+        </a:graphic>
+      </p:graphicFrame>
+      <p:sp>
+        <p:nvSpPr>
+          <p:cNvPr id="57" name="Rectángulo 56"/>
+          <p:cNvSpPr/>
+          <p:nvPr/>
+        </p:nvSpPr>
+        <p:spPr>
+          <a:xfrm>
+            <a:off x="7478092" y="3527550"/>
+            <a:ext cx="1268435" cy="1511139"/>
+          </a:xfrm>
+          <a:prstGeom prst="rect">
+            <a:avLst/>
+          </a:prstGeom>
+        </p:spPr>
+        <p:style>
+          <a:lnRef idx="2">
+            <a:schemeClr val="dk1"/>
+          </a:lnRef>
+          <a:fillRef idx="1">
+            <a:schemeClr val="lt1"/>
+          </a:fillRef>
+          <a:effectRef idx="0">
+            <a:schemeClr val="dk1"/>
+          </a:effectRef>
+          <a:fontRef idx="minor">
+            <a:schemeClr val="dk1"/>
+          </a:fontRef>
+        </p:style>
+        <p:txBody>
+          <a:bodyPr rtlCol="0" anchor="ctr"/>
+          <a:lstStyle/>
+          <a:p>
+            <a:pPr algn="ctr"/>
+            <a:endParaRPr lang="es-VE"/>
+          </a:p>
+        </p:txBody>
+      </p:sp>
+      <p:sp>
+        <p:nvSpPr>
+          <p:cNvPr id="58" name="Rectángulo 57"/>
+          <p:cNvSpPr/>
+          <p:nvPr/>
+        </p:nvSpPr>
+        <p:spPr>
+          <a:xfrm>
+            <a:off x="5872990" y="3527552"/>
+            <a:ext cx="1615035" cy="1511138"/>
+          </a:xfrm>
+          <a:prstGeom prst="rect">
+            <a:avLst/>
+          </a:prstGeom>
+        </p:spPr>
+        <p:style>
+          <a:lnRef idx="2">
+            <a:schemeClr val="dk1"/>
+          </a:lnRef>
+          <a:fillRef idx="1">
+            <a:schemeClr val="lt1"/>
+          </a:fillRef>
+          <a:effectRef idx="0">
+            <a:schemeClr val="dk1"/>
+          </a:effectRef>
+          <a:fontRef idx="minor">
+            <a:schemeClr val="dk1"/>
+          </a:fontRef>
+        </p:style>
+        <p:txBody>
+          <a:bodyPr rtlCol="0" anchor="ctr"/>
+          <a:lstStyle/>
+          <a:p>
+            <a:pPr algn="ctr"/>
+            <a:endParaRPr lang="es-VE"/>
+          </a:p>
+        </p:txBody>
+      </p:sp>
+      <p:pic>
+        <p:nvPicPr>
+          <p:cNvPr id="59" name="Picture 2" descr="Resultado de imagen para ruby"/>
+          <p:cNvPicPr>
+            <a:picLocks noChangeAspect="1" noChangeArrowheads="1"/>
+          </p:cNvPicPr>
+          <p:nvPr/>
+        </p:nvPicPr>
+        <p:blipFill>
+          <a:blip r:embed="rId2" cstate="print">
+            <a:extLst>
+              <a:ext uri="{28A0092B-C50C-407E-A947-70E740481C1C}">
+                <a14:useLocalDpi xmlns:a14="http://schemas.microsoft.com/office/drawing/2010/main" val="0"/>
+              </a:ext>
+            </a:extLst>
+          </a:blip>
+          <a:srcRect/>
+          <a:stretch>
+            <a:fillRect/>
+          </a:stretch>
+        </p:blipFill>
+        <p:spPr bwMode="auto">
+          <a:xfrm>
+            <a:off x="6590215" y="3658994"/>
+            <a:ext cx="533785" cy="612776"/>
+          </a:xfrm>
+          <a:prstGeom prst="rect">
+            <a:avLst/>
+          </a:prstGeom>
+          <a:noFill/>
+          <a:extLst>
+            <a:ext uri="{909E8E84-426E-40DD-AFC4-6F175D3DCCD1}">
+              <a14:hiddenFill xmlns:a14="http://schemas.microsoft.com/office/drawing/2010/main">
+                <a:solidFill>
+                  <a:srgbClr val="FFFFFF"/>
+                </a:solidFill>
+              </a14:hiddenFill>
+            </a:ext>
+          </a:extLst>
+        </p:spPr>
+      </p:pic>
+      <p:pic>
+        <p:nvPicPr>
+          <p:cNvPr id="60" name="Picture 4" descr="Resultado de imagen para selenium"/>
+          <p:cNvPicPr>
+            <a:picLocks noChangeAspect="1" noChangeArrowheads="1"/>
+          </p:cNvPicPr>
+          <p:nvPr/>
+        </p:nvPicPr>
+        <p:blipFill>
+          <a:blip r:embed="rId3" cstate="print">
+            <a:extLst>
+              <a:ext uri="{28A0092B-C50C-407E-A947-70E740481C1C}">
+                <a14:useLocalDpi xmlns:a14="http://schemas.microsoft.com/office/drawing/2010/main" val="0"/>
+              </a:ext>
+            </a:extLst>
+          </a:blip>
+          <a:srcRect/>
+          <a:stretch>
+            <a:fillRect/>
+          </a:stretch>
+        </p:blipFill>
+        <p:spPr bwMode="auto">
+          <a:xfrm>
+            <a:off x="7743884" y="4013948"/>
+            <a:ext cx="748671" cy="693469"/>
+          </a:xfrm>
+          <a:prstGeom prst="rect">
+            <a:avLst/>
+          </a:prstGeom>
+          <a:noFill/>
+          <a:extLst>
+            <a:ext uri="{909E8E84-426E-40DD-AFC4-6F175D3DCCD1}">
+              <a14:hiddenFill xmlns:a14="http://schemas.microsoft.com/office/drawing/2010/main">
+                <a:solidFill>
+                  <a:srgbClr val="FFFFFF"/>
+                </a:solidFill>
+              </a14:hiddenFill>
+            </a:ext>
+          </a:extLst>
+        </p:spPr>
+      </p:pic>
+      <p:pic>
+        <p:nvPicPr>
+          <p:cNvPr id="61" name="Picture 6" descr="Resultado de imagen para sinatra ruby"/>
+          <p:cNvPicPr>
+            <a:picLocks noChangeAspect="1" noChangeArrowheads="1"/>
+          </p:cNvPicPr>
+          <p:nvPr/>
+        </p:nvPicPr>
+        <p:blipFill>
+          <a:blip r:embed="rId4" cstate="print">
+            <a:extLst>
+              <a:ext uri="{28A0092B-C50C-407E-A947-70E740481C1C}">
+                <a14:useLocalDpi xmlns:a14="http://schemas.microsoft.com/office/drawing/2010/main" val="0"/>
+              </a:ext>
+            </a:extLst>
+          </a:blip>
+          <a:srcRect/>
+          <a:stretch>
+            <a:fillRect/>
+          </a:stretch>
+        </p:blipFill>
+        <p:spPr bwMode="auto">
+          <a:xfrm>
+            <a:off x="6521081" y="4353340"/>
+            <a:ext cx="685887" cy="685887"/>
+          </a:xfrm>
+          <a:prstGeom prst="rect">
+            <a:avLst/>
+          </a:prstGeom>
+          <a:noFill/>
+          <a:extLst>
+            <a:ext uri="{909E8E84-426E-40DD-AFC4-6F175D3DCCD1}">
+              <a14:hiddenFill xmlns:a14="http://schemas.microsoft.com/office/drawing/2010/main">
+                <a:solidFill>
+                  <a:srgbClr val="FFFFFF"/>
+                </a:solidFill>
+              </a14:hiddenFill>
+            </a:ext>
+          </a:extLst>
+        </p:spPr>
+      </p:pic>
+      <p:sp>
+        <p:nvSpPr>
+          <p:cNvPr id="62" name="CuadroTexto 61"/>
+          <p:cNvSpPr txBox="1"/>
+          <p:nvPr/>
+        </p:nvSpPr>
+        <p:spPr>
+          <a:xfrm rot="16200000">
+            <a:off x="5304754" y="4115478"/>
+            <a:ext cx="1478166" cy="369332"/>
+          </a:xfrm>
+          <a:prstGeom prst="rect">
+            <a:avLst/>
+          </a:prstGeom>
+          <a:noFill/>
+        </p:spPr>
+        <p:txBody>
+          <a:bodyPr wrap="square" rtlCol="0">
+            <a:spAutoFit/>
+          </a:bodyPr>
+          <a:lstStyle/>
+          <a:p>
+            <a:r>
+              <a:rPr lang="en-US" dirty="0" smtClean="0"/>
+              <a:t>REST Service</a:t>
+            </a:r>
+            <a:endParaRPr lang="es-VE" dirty="0"/>
+          </a:p>
+        </p:txBody>
+      </p:sp>
+      <p:graphicFrame>
+        <p:nvGraphicFramePr>
+          <p:cNvPr id="63" name="Tabla 62"/>
+          <p:cNvGraphicFramePr>
+            <a:graphicFrameLocks noGrp="1"/>
+          </p:cNvGraphicFramePr>
+          <p:nvPr>
+            <p:extLst/>
+          </p:nvPr>
+        </p:nvGraphicFramePr>
+        <p:xfrm>
+          <a:off x="5884925" y="5038690"/>
+          <a:ext cx="2861600" cy="243840"/>
+        </p:xfrm>
+        <a:graphic>
+          <a:graphicData uri="http://schemas.openxmlformats.org/drawingml/2006/table">
+            <a:tbl>
+              <a:tblPr firstRow="1" bandRow="1">
+                <a:tableStyleId>{5940675A-B579-460E-94D1-54222C63F5DA}</a:tableStyleId>
+              </a:tblPr>
+              <a:tblGrid>
+                <a:gridCol w="357700"/>
+                <a:gridCol w="357700"/>
+                <a:gridCol w="357700"/>
+                <a:gridCol w="357700"/>
+                <a:gridCol w="357700"/>
+                <a:gridCol w="357700"/>
+                <a:gridCol w="357700"/>
+                <a:gridCol w="357700"/>
+              </a:tblGrid>
+              <a:tr h="219090">
+                <a:tc>
+                  <a:txBody>
+                    <a:bodyPr/>
+                    <a:lstStyle/>
+                    <a:p>
+                      <a:pPr algn="ctr"/>
+                      <a:r>
+                        <a:rPr lang="en-US" sz="1000" dirty="0" err="1" smtClean="0"/>
+                        <a:t>url</a:t>
+                      </a:r>
+                      <a:endParaRPr lang="es-VE" sz="1000" dirty="0"/>
+                    </a:p>
+                  </a:txBody>
+                  <a:tcPr/>
+                </a:tc>
+                <a:tc>
+                  <a:txBody>
+                    <a:bodyPr/>
+                    <a:lstStyle/>
+                    <a:p>
+                      <a:r>
+                        <a:rPr lang="en-US" sz="1000" dirty="0" err="1" smtClean="0"/>
+                        <a:t>url</a:t>
+                      </a:r>
+                      <a:endParaRPr lang="es-VE" sz="1000" dirty="0"/>
+                    </a:p>
+                  </a:txBody>
+                  <a:tcPr/>
+                </a:tc>
+                <a:tc>
+                  <a:txBody>
+                    <a:bodyPr/>
+                    <a:lstStyle/>
+                    <a:p>
+                      <a:r>
+                        <a:rPr lang="en-US" sz="1000" dirty="0" err="1" smtClean="0"/>
+                        <a:t>url</a:t>
+                      </a:r>
+                      <a:endParaRPr lang="es-VE" sz="1000" dirty="0"/>
+                    </a:p>
+                  </a:txBody>
+                  <a:tcPr/>
+                </a:tc>
+                <a:tc>
+                  <a:txBody>
+                    <a:bodyPr/>
+                    <a:lstStyle/>
+                    <a:p>
+                      <a:r>
+                        <a:rPr lang="en-US" sz="1000" dirty="0" err="1" smtClean="0"/>
+                        <a:t>url</a:t>
+                      </a:r>
+                      <a:endParaRPr lang="es-VE" sz="1000" dirty="0"/>
+                    </a:p>
+                  </a:txBody>
+                  <a:tcPr/>
+                </a:tc>
+                <a:tc>
+                  <a:txBody>
+                    <a:bodyPr/>
+                    <a:lstStyle/>
+                    <a:p>
+                      <a:r>
+                        <a:rPr lang="en-US" sz="1000" dirty="0" err="1" smtClean="0"/>
+                        <a:t>url</a:t>
+                      </a:r>
+                      <a:endParaRPr lang="es-VE" sz="1000" dirty="0"/>
+                    </a:p>
+                  </a:txBody>
+                  <a:tcPr/>
+                </a:tc>
+                <a:tc>
+                  <a:txBody>
+                    <a:bodyPr/>
+                    <a:lstStyle/>
+                    <a:p>
+                      <a:r>
+                        <a:rPr lang="en-US" sz="1000" dirty="0" err="1" smtClean="0"/>
+                        <a:t>url</a:t>
+                      </a:r>
+                      <a:endParaRPr lang="es-VE" sz="1000" dirty="0"/>
+                    </a:p>
+                  </a:txBody>
+                  <a:tcPr/>
+                </a:tc>
+                <a:tc>
+                  <a:txBody>
+                    <a:bodyPr/>
+                    <a:lstStyle/>
+                    <a:p>
+                      <a:r>
+                        <a:rPr lang="en-US" sz="1000" dirty="0" smtClean="0"/>
+                        <a:t>…</a:t>
+                      </a:r>
+                      <a:endParaRPr lang="es-VE" sz="1000" dirty="0"/>
+                    </a:p>
+                  </a:txBody>
+                  <a:tcPr/>
+                </a:tc>
+                <a:tc>
+                  <a:txBody>
+                    <a:bodyPr/>
+                    <a:lstStyle/>
+                    <a:p>
+                      <a:endParaRPr lang="es-VE" sz="1000" dirty="0"/>
+                    </a:p>
+                  </a:txBody>
+                  <a:tcPr/>
+                </a:tc>
+              </a:tr>
+            </a:tbl>
+          </a:graphicData>
+        </a:graphic>
+      </p:graphicFrame>
+      <p:sp>
+        <p:nvSpPr>
+          <p:cNvPr id="1031" name="CuadroTexto 1030"/>
+          <p:cNvSpPr txBox="1"/>
+          <p:nvPr/>
+        </p:nvSpPr>
+        <p:spPr>
+          <a:xfrm>
+            <a:off x="4591976" y="1689549"/>
+            <a:ext cx="633932" cy="369332"/>
+          </a:xfrm>
+          <a:prstGeom prst="rect">
+            <a:avLst/>
+          </a:prstGeom>
+          <a:noFill/>
+        </p:spPr>
+        <p:txBody>
+          <a:bodyPr wrap="square" rtlCol="0">
+            <a:spAutoFit/>
+          </a:bodyPr>
+          <a:lstStyle/>
+          <a:p>
+            <a:r>
+              <a:rPr lang="en-US" dirty="0" smtClean="0"/>
+              <a:t>post</a:t>
+            </a:r>
+            <a:endParaRPr lang="es-VE" dirty="0"/>
+          </a:p>
+        </p:txBody>
+      </p:sp>
+      <p:sp>
+        <p:nvSpPr>
+          <p:cNvPr id="75" name="CuadroTexto 74"/>
+          <p:cNvSpPr txBox="1"/>
+          <p:nvPr/>
+        </p:nvSpPr>
+        <p:spPr>
+          <a:xfrm>
+            <a:off x="4943346" y="3865859"/>
+            <a:ext cx="633932" cy="369332"/>
+          </a:xfrm>
+          <a:prstGeom prst="rect">
+            <a:avLst/>
+          </a:prstGeom>
+          <a:noFill/>
+        </p:spPr>
+        <p:txBody>
+          <a:bodyPr wrap="square" rtlCol="0">
+            <a:spAutoFit/>
+          </a:bodyPr>
+          <a:lstStyle/>
+          <a:p>
+            <a:r>
+              <a:rPr lang="en-US" dirty="0" smtClean="0"/>
+              <a:t>get</a:t>
+            </a:r>
+            <a:endParaRPr lang="es-VE" dirty="0"/>
+          </a:p>
+        </p:txBody>
+      </p:sp>
+      <p:cxnSp>
+        <p:nvCxnSpPr>
+          <p:cNvPr id="76" name="Conector recto de flecha 75"/>
+          <p:cNvCxnSpPr>
+            <a:stCxn id="13" idx="4"/>
+            <a:endCxn id="53" idx="1"/>
+          </p:cNvCxnSpPr>
+          <p:nvPr/>
+        </p:nvCxnSpPr>
+        <p:spPr>
+          <a:xfrm>
+            <a:off x="4216340" y="2581856"/>
+            <a:ext cx="1649948" cy="89006"/>
+          </a:xfrm>
+          <a:prstGeom prst="straightConnector1">
+            <a:avLst/>
+          </a:prstGeom>
+          <a:ln>
+            <a:solidFill>
+              <a:schemeClr val="accent4"/>
+            </a:solidFill>
+            <a:tailEnd type="triangle"/>
+          </a:ln>
+        </p:spPr>
+        <p:style>
+          <a:lnRef idx="1">
+            <a:schemeClr val="accent1"/>
+          </a:lnRef>
+          <a:fillRef idx="0">
+            <a:schemeClr val="accent1"/>
+          </a:fillRef>
+          <a:effectRef idx="0">
+            <a:schemeClr val="accent1"/>
+          </a:effectRef>
+          <a:fontRef idx="minor">
+            <a:schemeClr val="tx1"/>
+          </a:fontRef>
+        </p:style>
+      </p:cxnSp>
+      <p:cxnSp>
+        <p:nvCxnSpPr>
+          <p:cNvPr id="79" name="Conector recto de flecha 78"/>
+          <p:cNvCxnSpPr>
+            <a:stCxn id="15" idx="4"/>
+            <a:endCxn id="63" idx="1"/>
+          </p:cNvCxnSpPr>
+          <p:nvPr/>
+        </p:nvCxnSpPr>
+        <p:spPr>
+          <a:xfrm>
+            <a:off x="4227358" y="3193837"/>
+            <a:ext cx="1657567" cy="1966773"/>
+          </a:xfrm>
+          <a:prstGeom prst="straightConnector1">
+            <a:avLst/>
+          </a:prstGeom>
+          <a:ln>
+            <a:solidFill>
+              <a:schemeClr val="accent4"/>
+            </a:solidFill>
+            <a:tailEnd type="triangle"/>
+          </a:ln>
+        </p:spPr>
+        <p:style>
+          <a:lnRef idx="1">
+            <a:schemeClr val="accent1"/>
+          </a:lnRef>
+          <a:fillRef idx="0">
+            <a:schemeClr val="accent1"/>
+          </a:fillRef>
+          <a:effectRef idx="0">
+            <a:schemeClr val="accent1"/>
+          </a:effectRef>
+          <a:fontRef idx="minor">
+            <a:schemeClr val="tx1"/>
+          </a:fontRef>
+        </p:style>
+      </p:cxnSp>
+      <p:sp>
+        <p:nvSpPr>
+          <p:cNvPr id="82" name="CuadroTexto 81"/>
+          <p:cNvSpPr txBox="1"/>
+          <p:nvPr/>
+        </p:nvSpPr>
+        <p:spPr>
+          <a:xfrm>
+            <a:off x="4932764" y="3158218"/>
+            <a:ext cx="633932" cy="369332"/>
+          </a:xfrm>
+          <a:prstGeom prst="rect">
+            <a:avLst/>
+          </a:prstGeom>
+          <a:noFill/>
+        </p:spPr>
+        <p:txBody>
+          <a:bodyPr wrap="square" rtlCol="0">
+            <a:spAutoFit/>
+          </a:bodyPr>
+          <a:lstStyle/>
+          <a:p>
+            <a:r>
+              <a:rPr lang="en-US" dirty="0" smtClean="0"/>
+              <a:t>post</a:t>
+            </a:r>
+            <a:endParaRPr lang="es-VE" dirty="0"/>
+          </a:p>
+        </p:txBody>
+      </p:sp>
+      <p:sp>
+        <p:nvSpPr>
+          <p:cNvPr id="1042" name="Rectángulo 1041"/>
+          <p:cNvSpPr/>
+          <p:nvPr/>
+        </p:nvSpPr>
+        <p:spPr>
+          <a:xfrm>
+            <a:off x="147499" y="2936754"/>
+            <a:ext cx="754471" cy="406130"/>
+          </a:xfrm>
+          <a:prstGeom prst="rect">
+            <a:avLst/>
+          </a:prstGeom>
+        </p:spPr>
+        <p:style>
+          <a:lnRef idx="2">
+            <a:schemeClr val="dk1"/>
+          </a:lnRef>
+          <a:fillRef idx="1">
+            <a:schemeClr val="lt1"/>
+          </a:fillRef>
+          <a:effectRef idx="0">
+            <a:schemeClr val="dk1"/>
+          </a:effectRef>
+          <a:fontRef idx="minor">
+            <a:schemeClr val="dk1"/>
+          </a:fontRef>
+        </p:style>
+        <p:txBody>
+          <a:bodyPr rtlCol="0" anchor="ctr"/>
+          <a:lstStyle/>
+          <a:p>
+            <a:pPr algn="ctr"/>
+            <a:r>
+              <a:rPr lang="en-US" sz="1200" dirty="0" smtClean="0"/>
+              <a:t>URL </a:t>
+            </a:r>
+            <a:r>
+              <a:rPr lang="en-US" sz="1200" dirty="0" smtClean="0"/>
+              <a:t>Seed</a:t>
+            </a:r>
+            <a:endParaRPr lang="es-VE" sz="1200" dirty="0"/>
+          </a:p>
+        </p:txBody>
+      </p:sp>
+      <p:sp>
+        <p:nvSpPr>
+          <p:cNvPr id="1043" name="Flecha derecha 1042"/>
+          <p:cNvSpPr/>
+          <p:nvPr/>
+        </p:nvSpPr>
+        <p:spPr>
+          <a:xfrm>
+            <a:off x="981341" y="3012940"/>
+            <a:ext cx="334108" cy="221491"/>
+          </a:xfrm>
+          <a:prstGeom prst="rightArrow">
+            <a:avLst/>
+          </a:prstGeom>
+        </p:spPr>
+        <p:style>
+          <a:lnRef idx="2">
+            <a:schemeClr val="accent1">
+              <a:shade val="50000"/>
+            </a:schemeClr>
+          </a:lnRef>
+          <a:fillRef idx="1">
+            <a:schemeClr val="accent1"/>
+          </a:fillRef>
+          <a:effectRef idx="0">
+            <a:schemeClr val="accent1"/>
+          </a:effectRef>
+          <a:fontRef idx="minor">
+            <a:schemeClr val="lt1"/>
+          </a:fontRef>
+        </p:style>
+        <p:txBody>
+          <a:bodyPr rtlCol="0" anchor="ctr"/>
+          <a:lstStyle/>
+          <a:p>
+            <a:pPr algn="ctr"/>
+            <a:endParaRPr lang="es-VE"/>
+          </a:p>
+        </p:txBody>
+      </p:sp>
+      <p:sp>
+        <p:nvSpPr>
+          <p:cNvPr id="1045" name="Forma libre 1044"/>
+          <p:cNvSpPr/>
+          <p:nvPr/>
+        </p:nvSpPr>
+        <p:spPr>
+          <a:xfrm>
+            <a:off x="1171440" y="3314700"/>
+            <a:ext cx="266835" cy="704850"/>
+          </a:xfrm>
+          <a:custGeom>
+            <a:avLst/>
+            <a:gdLst>
+              <a:gd name="connsiteX0" fmla="*/ 238260 w 266835"/>
+              <a:gd name="connsiteY0" fmla="*/ 704850 h 704850"/>
+              <a:gd name="connsiteX1" fmla="*/ 135 w 266835"/>
+              <a:gd name="connsiteY1" fmla="*/ 485775 h 704850"/>
+              <a:gd name="connsiteX2" fmla="*/ 266835 w 266835"/>
+              <a:gd name="connsiteY2" fmla="*/ 0 h 704850"/>
+            </a:gdLst>
+            <a:ahLst/>
+            <a:cxnLst>
+              <a:cxn ang="0">
+                <a:pos x="connsiteX0" y="connsiteY0"/>
+              </a:cxn>
+              <a:cxn ang="0">
+                <a:pos x="connsiteX1" y="connsiteY1"/>
+              </a:cxn>
+              <a:cxn ang="0">
+                <a:pos x="connsiteX2" y="connsiteY2"/>
+              </a:cxn>
+            </a:cxnLst>
+            <a:rect l="l" t="t" r="r" b="b"/>
+            <a:pathLst>
+              <a:path w="266835" h="704850">
+                <a:moveTo>
+                  <a:pt x="238260" y="704850"/>
+                </a:moveTo>
+                <a:cubicBezTo>
+                  <a:pt x="116816" y="654050"/>
+                  <a:pt x="-4627" y="603250"/>
+                  <a:pt x="135" y="485775"/>
+                </a:cubicBezTo>
+                <a:cubicBezTo>
+                  <a:pt x="4897" y="368300"/>
+                  <a:pt x="222385" y="79375"/>
+                  <a:pt x="266835" y="0"/>
+                </a:cubicBezTo>
+              </a:path>
+            </a:pathLst>
+          </a:custGeom>
+          <a:noFill/>
+          <a:ln>
+            <a:solidFill>
+              <a:schemeClr val="accent4"/>
+            </a:solidFill>
+            <a:headEnd type="none" w="med" len="med"/>
+            <a:tailEnd type="triangle" w="med" len="med"/>
+          </a:ln>
+        </p:spPr>
+        <p:style>
+          <a:lnRef idx="2">
+            <a:schemeClr val="accent1">
+              <a:shade val="50000"/>
+            </a:schemeClr>
+          </a:lnRef>
+          <a:fillRef idx="1">
+            <a:schemeClr val="accent1"/>
+          </a:fillRef>
+          <a:effectRef idx="0">
+            <a:schemeClr val="accent1"/>
+          </a:effectRef>
+          <a:fontRef idx="minor">
+            <a:schemeClr val="lt1"/>
+          </a:fontRef>
+        </p:style>
+        <p:txBody>
+          <a:bodyPr rtlCol="0" anchor="ctr"/>
+          <a:lstStyle/>
+          <a:p>
+            <a:pPr algn="ctr"/>
+            <a:endParaRPr lang="es-VE"/>
+          </a:p>
+        </p:txBody>
+      </p:sp>
+    </p:spTree>
+    <p:extLst>
+      <p:ext uri="{BB962C8B-B14F-4D97-AF65-F5344CB8AC3E}">
+        <p14:creationId xmlns:p14="http://schemas.microsoft.com/office/powerpoint/2010/main" val="484219010"/>
+      </p:ext>
+    </p:extLst>
+  </p:cSld>
+  <p:clrMapOvr>
+    <a:masterClrMapping/>
+  </p:clrMapOvr>
+</p:sld>
+</file>
+
 <file path=ppt/theme/theme1.xml><?xml version="1.0" encoding="utf-8"?>
 <a:theme xmlns:a="http://schemas.openxmlformats.org/drawingml/2006/main" name="Tema de Office">
   <a:themeElements>
